--- a/仕様書.pptx
+++ b/仕様書.pptx
@@ -228,7 +228,7 @@
           <a:p>
             <a:fld id="{9FB31C98-10E8-4411-98E2-F76B49DD38FC}" type="datetimeFigureOut">
               <a:rPr kumimoji="1" lang="ja-JP" altLang="en-US" smtClean="0"/>
-              <a:t>2022/6/10</a:t>
+              <a:t>2022/6/13</a:t>
             </a:fld>
             <a:endParaRPr kumimoji="1" lang="ja-JP" altLang="en-US" dirty="0"/>
           </a:p>
@@ -659,7 +659,7 @@
           <a:p>
             <a:fld id="{E673FCC7-F489-4215-B4D0-86AAF4616170}" type="datetime1">
               <a:rPr kumimoji="1" lang="ja-JP" altLang="en-US" smtClean="0"/>
-              <a:t>2022/6/10</a:t>
+              <a:t>2022/6/13</a:t>
             </a:fld>
             <a:endParaRPr kumimoji="1" lang="ja-JP" altLang="en-US" dirty="0"/>
           </a:p>
@@ -861,7 +861,7 @@
           <a:p>
             <a:fld id="{2C6BB87C-BD0C-45F6-A269-8EE3F338A5CB}" type="datetime1">
               <a:rPr kumimoji="1" lang="ja-JP" altLang="en-US" smtClean="0"/>
-              <a:t>2022/6/10</a:t>
+              <a:t>2022/6/13</a:t>
             </a:fld>
             <a:endParaRPr kumimoji="1" lang="ja-JP" altLang="en-US" dirty="0"/>
           </a:p>
@@ -1073,7 +1073,7 @@
           <a:p>
             <a:fld id="{01C1E325-0851-4FB4-BB99-3DAB99ECACEB}" type="datetime1">
               <a:rPr kumimoji="1" lang="ja-JP" altLang="en-US" smtClean="0"/>
-              <a:t>2022/6/10</a:t>
+              <a:t>2022/6/13</a:t>
             </a:fld>
             <a:endParaRPr kumimoji="1" lang="ja-JP" altLang="en-US" dirty="0"/>
           </a:p>
@@ -1275,7 +1275,7 @@
           <a:p>
             <a:fld id="{BCA5479E-ACBB-4C54-9347-F0423F15BB74}" type="datetime1">
               <a:rPr kumimoji="1" lang="ja-JP" altLang="en-US" smtClean="0"/>
-              <a:t>2022/6/10</a:t>
+              <a:t>2022/6/13</a:t>
             </a:fld>
             <a:endParaRPr kumimoji="1" lang="ja-JP" altLang="en-US" dirty="0"/>
           </a:p>
@@ -1521,7 +1521,7 @@
           <a:p>
             <a:fld id="{235AEDDD-73C7-4ED1-85B6-071C88B66255}" type="datetime1">
               <a:rPr kumimoji="1" lang="ja-JP" altLang="en-US" smtClean="0"/>
-              <a:t>2022/6/10</a:t>
+              <a:t>2022/6/13</a:t>
             </a:fld>
             <a:endParaRPr kumimoji="1" lang="ja-JP" altLang="en-US" dirty="0"/>
           </a:p>
@@ -1817,7 +1817,7 @@
           <a:p>
             <a:fld id="{02A2BC9E-0CC1-4449-9931-EF08DEAF97D3}" type="datetime1">
               <a:rPr kumimoji="1" lang="ja-JP" altLang="en-US" smtClean="0"/>
-              <a:t>2022/6/10</a:t>
+              <a:t>2022/6/13</a:t>
             </a:fld>
             <a:endParaRPr kumimoji="1" lang="ja-JP" altLang="en-US" dirty="0"/>
           </a:p>
@@ -2248,7 +2248,7 @@
           <a:p>
             <a:fld id="{580AAC2B-2046-430A-84AB-12397096F689}" type="datetime1">
               <a:rPr kumimoji="1" lang="ja-JP" altLang="en-US" smtClean="0"/>
-              <a:t>2022/6/10</a:t>
+              <a:t>2022/6/13</a:t>
             </a:fld>
             <a:endParaRPr kumimoji="1" lang="ja-JP" altLang="en-US" dirty="0"/>
           </a:p>
@@ -2366,7 +2366,7 @@
           <a:p>
             <a:fld id="{B2BD2C02-0ABA-46CA-A77B-B99750AE0150}" type="datetime1">
               <a:rPr kumimoji="1" lang="ja-JP" altLang="en-US" smtClean="0"/>
-              <a:t>2022/6/10</a:t>
+              <a:t>2022/6/13</a:t>
             </a:fld>
             <a:endParaRPr kumimoji="1" lang="ja-JP" altLang="en-US" dirty="0"/>
           </a:p>
@@ -2461,7 +2461,7 @@
           <a:p>
             <a:fld id="{E6D4B997-1BB7-4787-8663-30586ED72E6A}" type="datetime1">
               <a:rPr kumimoji="1" lang="ja-JP" altLang="en-US" smtClean="0"/>
-              <a:t>2022/6/10</a:t>
+              <a:t>2022/6/13</a:t>
             </a:fld>
             <a:endParaRPr kumimoji="1" lang="ja-JP" altLang="en-US" dirty="0"/>
           </a:p>
@@ -2770,7 +2770,7 @@
           <a:p>
             <a:fld id="{939D69C8-A5F0-4067-BF38-B0669C8B1E71}" type="datetime1">
               <a:rPr kumimoji="1" lang="ja-JP" altLang="en-US" smtClean="0"/>
-              <a:t>2022/6/10</a:t>
+              <a:t>2022/6/13</a:t>
             </a:fld>
             <a:endParaRPr kumimoji="1" lang="ja-JP" altLang="en-US" dirty="0"/>
           </a:p>
@@ -3023,7 +3023,7 @@
           <a:p>
             <a:fld id="{2501C2E7-B39A-466F-97F1-C6D9ED074947}" type="datetime1">
               <a:rPr kumimoji="1" lang="ja-JP" altLang="en-US" smtClean="0"/>
-              <a:t>2022/6/10</a:t>
+              <a:t>2022/6/13</a:t>
             </a:fld>
             <a:endParaRPr kumimoji="1" lang="ja-JP" altLang="en-US" dirty="0"/>
           </a:p>
@@ -3268,7 +3268,7 @@
           <a:p>
             <a:fld id="{1C9E2F8B-CF6B-41A8-B552-9BA0EC717165}" type="datetime1">
               <a:rPr kumimoji="1" lang="ja-JP" altLang="en-US" smtClean="0"/>
-              <a:t>2022/6/10</a:t>
+              <a:t>2022/6/13</a:t>
             </a:fld>
             <a:endParaRPr kumimoji="1" lang="ja-JP" altLang="en-US" dirty="0"/>
           </a:p>
@@ -13029,52 +13029,6 @@
       </p:sp>
       <p:sp>
         <p:nvSpPr>
-          <p:cNvPr id="4" name="正方形/長方形 3"/>
-          <p:cNvSpPr/>
-          <p:nvPr/>
-        </p:nvSpPr>
-        <p:spPr>
-          <a:xfrm>
-            <a:off x="4391025" y="2670335"/>
-            <a:ext cx="7619774" cy="3721134"/>
-          </a:xfrm>
-          <a:prstGeom prst="rect">
-            <a:avLst/>
-          </a:prstGeom>
-          <a:noFill/>
-          <a:ln w="76200">
-            <a:solidFill>
-              <a:schemeClr val="tx1"/>
-            </a:solidFill>
-          </a:ln>
-        </p:spPr>
-        <p:style>
-          <a:lnRef idx="2">
-            <a:schemeClr val="accent1">
-              <a:shade val="50000"/>
-            </a:schemeClr>
-          </a:lnRef>
-          <a:fillRef idx="1">
-            <a:schemeClr val="accent1"/>
-          </a:fillRef>
-          <a:effectRef idx="0">
-            <a:schemeClr val="accent1"/>
-          </a:effectRef>
-          <a:fontRef idx="minor">
-            <a:schemeClr val="lt1"/>
-          </a:fontRef>
-        </p:style>
-        <p:txBody>
-          <a:bodyPr rtlCol="0" anchor="ctr"/>
-          <a:lstStyle/>
-          <a:p>
-            <a:pPr algn="ctr"/>
-            <a:endParaRPr kumimoji="1" lang="ja-JP" altLang="en-US" dirty="0"/>
-          </a:p>
-        </p:txBody>
-      </p:sp>
-      <p:sp>
-        <p:nvSpPr>
           <p:cNvPr id="6" name="テキスト ボックス 5"/>
           <p:cNvSpPr txBox="1"/>
           <p:nvPr/>
@@ -13082,7 +13036,7 @@
         <p:spPr>
           <a:xfrm>
             <a:off x="163383" y="562778"/>
-            <a:ext cx="800219" cy="338554"/>
+            <a:ext cx="10200228" cy="2185214"/>
           </a:xfrm>
           <a:prstGeom prst="rect">
             <a:avLst/>
@@ -13110,9 +13064,130 @@
           <a:p>
             <a:r>
               <a:rPr kumimoji="1" lang="ja-JP" altLang="en-US" sz="1600" dirty="0" smtClean="0"/>
-              <a:t>あああ</a:t>
-            </a:r>
-            <a:endParaRPr kumimoji="1" lang="en-US" altLang="ja-JP" sz="1600" dirty="0" smtClean="0"/>
+              <a:t>敵陣近くの木からりんごを奪い、自陣へ持ち帰ると勝利ポイント</a:t>
+            </a:r>
+            <a:r>
+              <a:rPr lang="ja-JP" altLang="en-US" sz="1600" dirty="0" smtClean="0"/>
+              <a:t>獲得</a:t>
+            </a:r>
+            <a:endParaRPr lang="en-US" altLang="ja-JP" sz="1600" dirty="0" smtClean="0"/>
+          </a:p>
+          <a:p>
+            <a:r>
+              <a:rPr lang="ja-JP" altLang="en-US" sz="1600" dirty="0" smtClean="0"/>
+              <a:t>先に</a:t>
+            </a:r>
+            <a:r>
+              <a:rPr lang="en-US" altLang="ja-JP" sz="1600" dirty="0" smtClean="0"/>
+              <a:t>50</a:t>
+            </a:r>
+            <a:r>
+              <a:rPr lang="ja-JP" altLang="en-US" sz="1600" dirty="0" smtClean="0"/>
+              <a:t>ポイント取得したチームの勝利</a:t>
+            </a:r>
+            <a:endParaRPr lang="en-US" altLang="ja-JP" sz="1600" dirty="0" smtClean="0"/>
+          </a:p>
+          <a:p>
+            <a:endParaRPr lang="en-US" altLang="ja-JP" sz="1600" dirty="0" smtClean="0"/>
+          </a:p>
+          <a:p>
+            <a:r>
+              <a:rPr lang="ja-JP" altLang="en-US" sz="1600" dirty="0" smtClean="0"/>
+              <a:t>自陣は自チームのみすり抜けられるオブジェクトで囲い、弾や相手チームは通れないようにする</a:t>
+            </a:r>
+            <a:endParaRPr lang="en-US" altLang="ja-JP" sz="1600" dirty="0"/>
+          </a:p>
+          <a:p>
+            <a:r>
+              <a:rPr lang="ja-JP" altLang="en-US" sz="1600" dirty="0" smtClean="0"/>
+              <a:t>自陣の中でのみ強化や武器の購入ができ、ポイントとは別に持ち帰ったりんごを消費する</a:t>
+            </a:r>
+            <a:endParaRPr lang="en-US" altLang="ja-JP" sz="1600" dirty="0" smtClean="0"/>
+          </a:p>
+          <a:p>
+            <a:r>
+              <a:rPr lang="ja-JP" altLang="en-US" sz="1600" dirty="0" smtClean="0"/>
+              <a:t>りんごはチームで共有し、残数は自陣にデカ</a:t>
+            </a:r>
+            <a:r>
+              <a:rPr lang="ja-JP" altLang="en-US" sz="1600" dirty="0" smtClean="0"/>
+              <a:t>めに</a:t>
+            </a:r>
+            <a:r>
+              <a:rPr lang="ja-JP" altLang="en-US" sz="1600" dirty="0" smtClean="0"/>
+              <a:t>書いておく</a:t>
+            </a:r>
+            <a:endParaRPr lang="en-US" altLang="ja-JP" sz="1600" dirty="0" smtClean="0"/>
+          </a:p>
+          <a:p>
+            <a:r>
+              <a:rPr lang="en-US" altLang="ja-JP" sz="1200" dirty="0" smtClean="0"/>
+              <a:t>(</a:t>
+            </a:r>
+            <a:r>
+              <a:rPr lang="ja-JP" altLang="en-US" sz="1200" dirty="0" smtClean="0"/>
+              <a:t>例</a:t>
+            </a:r>
+            <a:r>
+              <a:rPr lang="en-US" altLang="ja-JP" sz="1200" dirty="0" smtClean="0"/>
+              <a:t>)0</a:t>
+            </a:r>
+            <a:r>
+              <a:rPr lang="ja-JP" altLang="en-US" sz="1200" dirty="0" smtClean="0"/>
+              <a:t>ポイントの状態で</a:t>
+            </a:r>
+            <a:r>
+              <a:rPr lang="en-US" altLang="ja-JP" sz="1200" dirty="0" smtClean="0"/>
+              <a:t>3</a:t>
+            </a:r>
+            <a:r>
+              <a:rPr lang="ja-JP" altLang="en-US" sz="1200" dirty="0" smtClean="0"/>
+              <a:t>りんごを持ち帰って</a:t>
+            </a:r>
+            <a:r>
+              <a:rPr lang="en-US" altLang="ja-JP" sz="1200" dirty="0" smtClean="0"/>
+              <a:t>3</a:t>
+            </a:r>
+            <a:r>
+              <a:rPr lang="ja-JP" altLang="en-US" sz="1200" dirty="0" smtClean="0"/>
+              <a:t>ポイント獲得。ここでりんごを</a:t>
+            </a:r>
+            <a:r>
+              <a:rPr lang="en-US" altLang="ja-JP" sz="1200" dirty="0" smtClean="0"/>
+              <a:t>3</a:t>
+            </a:r>
+            <a:r>
+              <a:rPr lang="ja-JP" altLang="en-US" sz="1200" dirty="0" smtClean="0"/>
+              <a:t>消費して武器を購入すると、りんごは</a:t>
+            </a:r>
+            <a:r>
+              <a:rPr lang="en-US" altLang="ja-JP" sz="1200" dirty="0" smtClean="0"/>
+              <a:t>0</a:t>
+            </a:r>
+            <a:r>
+              <a:rPr lang="ja-JP" altLang="en-US" sz="1200" dirty="0" smtClean="0"/>
+              <a:t>になるがポイントは</a:t>
+            </a:r>
+            <a:r>
+              <a:rPr lang="en-US" altLang="ja-JP" sz="1200" dirty="0" smtClean="0"/>
+              <a:t>3</a:t>
+            </a:r>
+            <a:r>
+              <a:rPr lang="ja-JP" altLang="en-US" sz="1200" dirty="0" smtClean="0"/>
+              <a:t>のまま</a:t>
+            </a:r>
+            <a:endParaRPr lang="en-US" altLang="ja-JP" sz="1200" dirty="0" smtClean="0"/>
+          </a:p>
+          <a:p>
+            <a:endParaRPr lang="en-US" altLang="ja-JP" sz="1200" dirty="0"/>
+          </a:p>
+          <a:p>
+            <a:pPr lvl="0"/>
+            <a:endParaRPr lang="en-US" altLang="ja-JP" sz="1600" dirty="0" smtClean="0">
+              <a:solidFill>
+                <a:prstClr val="black"/>
+              </a:solidFill>
+            </a:endParaRPr>
           </a:p>
         </p:txBody>
       </p:sp>

--- a/仕様書.pptx
+++ b/仕様書.pptx
@@ -228,7 +228,7 @@
           <a:p>
             <a:fld id="{9FB31C98-10E8-4411-98E2-F76B49DD38FC}" type="datetimeFigureOut">
               <a:rPr kumimoji="1" lang="ja-JP" altLang="en-US" smtClean="0"/>
-              <a:t>2022/6/13</a:t>
+              <a:t>2022/7/13</a:t>
             </a:fld>
             <a:endParaRPr kumimoji="1" lang="ja-JP" altLang="en-US" dirty="0"/>
           </a:p>
@@ -659,7 +659,7 @@
           <a:p>
             <a:fld id="{E673FCC7-F489-4215-B4D0-86AAF4616170}" type="datetime1">
               <a:rPr kumimoji="1" lang="ja-JP" altLang="en-US" smtClean="0"/>
-              <a:t>2022/6/13</a:t>
+              <a:t>2022/7/13</a:t>
             </a:fld>
             <a:endParaRPr kumimoji="1" lang="ja-JP" altLang="en-US" dirty="0"/>
           </a:p>
@@ -861,7 +861,7 @@
           <a:p>
             <a:fld id="{2C6BB87C-BD0C-45F6-A269-8EE3F338A5CB}" type="datetime1">
               <a:rPr kumimoji="1" lang="ja-JP" altLang="en-US" smtClean="0"/>
-              <a:t>2022/6/13</a:t>
+              <a:t>2022/7/13</a:t>
             </a:fld>
             <a:endParaRPr kumimoji="1" lang="ja-JP" altLang="en-US" dirty="0"/>
           </a:p>
@@ -1073,7 +1073,7 @@
           <a:p>
             <a:fld id="{01C1E325-0851-4FB4-BB99-3DAB99ECACEB}" type="datetime1">
               <a:rPr kumimoji="1" lang="ja-JP" altLang="en-US" smtClean="0"/>
-              <a:t>2022/6/13</a:t>
+              <a:t>2022/7/13</a:t>
             </a:fld>
             <a:endParaRPr kumimoji="1" lang="ja-JP" altLang="en-US" dirty="0"/>
           </a:p>
@@ -1275,7 +1275,7 @@
           <a:p>
             <a:fld id="{BCA5479E-ACBB-4C54-9347-F0423F15BB74}" type="datetime1">
               <a:rPr kumimoji="1" lang="ja-JP" altLang="en-US" smtClean="0"/>
-              <a:t>2022/6/13</a:t>
+              <a:t>2022/7/13</a:t>
             </a:fld>
             <a:endParaRPr kumimoji="1" lang="ja-JP" altLang="en-US" dirty="0"/>
           </a:p>
@@ -1521,7 +1521,7 @@
           <a:p>
             <a:fld id="{235AEDDD-73C7-4ED1-85B6-071C88B66255}" type="datetime1">
               <a:rPr kumimoji="1" lang="ja-JP" altLang="en-US" smtClean="0"/>
-              <a:t>2022/6/13</a:t>
+              <a:t>2022/7/13</a:t>
             </a:fld>
             <a:endParaRPr kumimoji="1" lang="ja-JP" altLang="en-US" dirty="0"/>
           </a:p>
@@ -1817,7 +1817,7 @@
           <a:p>
             <a:fld id="{02A2BC9E-0CC1-4449-9931-EF08DEAF97D3}" type="datetime1">
               <a:rPr kumimoji="1" lang="ja-JP" altLang="en-US" smtClean="0"/>
-              <a:t>2022/6/13</a:t>
+              <a:t>2022/7/13</a:t>
             </a:fld>
             <a:endParaRPr kumimoji="1" lang="ja-JP" altLang="en-US" dirty="0"/>
           </a:p>
@@ -2248,7 +2248,7 @@
           <a:p>
             <a:fld id="{580AAC2B-2046-430A-84AB-12397096F689}" type="datetime1">
               <a:rPr kumimoji="1" lang="ja-JP" altLang="en-US" smtClean="0"/>
-              <a:t>2022/6/13</a:t>
+              <a:t>2022/7/13</a:t>
             </a:fld>
             <a:endParaRPr kumimoji="1" lang="ja-JP" altLang="en-US" dirty="0"/>
           </a:p>
@@ -2366,7 +2366,7 @@
           <a:p>
             <a:fld id="{B2BD2C02-0ABA-46CA-A77B-B99750AE0150}" type="datetime1">
               <a:rPr kumimoji="1" lang="ja-JP" altLang="en-US" smtClean="0"/>
-              <a:t>2022/6/13</a:t>
+              <a:t>2022/7/13</a:t>
             </a:fld>
             <a:endParaRPr kumimoji="1" lang="ja-JP" altLang="en-US" dirty="0"/>
           </a:p>
@@ -2461,7 +2461,7 @@
           <a:p>
             <a:fld id="{E6D4B997-1BB7-4787-8663-30586ED72E6A}" type="datetime1">
               <a:rPr kumimoji="1" lang="ja-JP" altLang="en-US" smtClean="0"/>
-              <a:t>2022/6/13</a:t>
+              <a:t>2022/7/13</a:t>
             </a:fld>
             <a:endParaRPr kumimoji="1" lang="ja-JP" altLang="en-US" dirty="0"/>
           </a:p>
@@ -2770,7 +2770,7 @@
           <a:p>
             <a:fld id="{939D69C8-A5F0-4067-BF38-B0669C8B1E71}" type="datetime1">
               <a:rPr kumimoji="1" lang="ja-JP" altLang="en-US" smtClean="0"/>
-              <a:t>2022/6/13</a:t>
+              <a:t>2022/7/13</a:t>
             </a:fld>
             <a:endParaRPr kumimoji="1" lang="ja-JP" altLang="en-US" dirty="0"/>
           </a:p>
@@ -3023,7 +3023,7 @@
           <a:p>
             <a:fld id="{2501C2E7-B39A-466F-97F1-C6D9ED074947}" type="datetime1">
               <a:rPr kumimoji="1" lang="ja-JP" altLang="en-US" smtClean="0"/>
-              <a:t>2022/6/13</a:t>
+              <a:t>2022/7/13</a:t>
             </a:fld>
             <a:endParaRPr kumimoji="1" lang="ja-JP" altLang="en-US" dirty="0"/>
           </a:p>
@@ -3268,7 +3268,7 @@
           <a:p>
             <a:fld id="{1C9E2F8B-CF6B-41A8-B552-9BA0EC717165}" type="datetime1">
               <a:rPr kumimoji="1" lang="ja-JP" altLang="en-US" smtClean="0"/>
-              <a:t>2022/6/13</a:t>
+              <a:t>2022/7/13</a:t>
             </a:fld>
             <a:endParaRPr kumimoji="1" lang="ja-JP" altLang="en-US" dirty="0"/>
           </a:p>
@@ -13107,15 +13107,7 @@
           <a:p>
             <a:r>
               <a:rPr lang="ja-JP" altLang="en-US" sz="1600" dirty="0" smtClean="0"/>
-              <a:t>りんごはチームで共有し、残数は自陣にデカ</a:t>
-            </a:r>
-            <a:r>
-              <a:rPr lang="ja-JP" altLang="en-US" sz="1600" dirty="0" smtClean="0"/>
-              <a:t>めに</a:t>
-            </a:r>
-            <a:r>
-              <a:rPr lang="ja-JP" altLang="en-US" sz="1600" dirty="0" smtClean="0"/>
-              <a:t>書いておく</a:t>
+              <a:t>りんごはチームで共有し、残数は自陣にデカめに書いておく</a:t>
             </a:r>
             <a:endParaRPr lang="en-US" altLang="ja-JP" sz="1600" dirty="0" smtClean="0"/>
           </a:p>
@@ -13230,26 +13222,95 @@
       </p:grpSpPr>
       <p:sp>
         <p:nvSpPr>
-          <p:cNvPr id="10" name="フローチャート: 論理積ゲート 9"/>
+          <p:cNvPr id="2" name="テキスト ボックス 1"/>
+          <p:cNvSpPr txBox="1"/>
+          <p:nvPr/>
+        </p:nvSpPr>
+        <p:spPr>
+          <a:xfrm>
+            <a:off x="4875153" y="0"/>
+            <a:ext cx="2441694" cy="369332"/>
+          </a:xfrm>
+          <a:prstGeom prst="rect">
+            <a:avLst/>
+          </a:prstGeom>
+          <a:noFill/>
+        </p:spPr>
+        <p:txBody>
+          <a:bodyPr wrap="none" rtlCol="0">
+            <a:spAutoFit/>
+          </a:bodyPr>
+          <a:lstStyle/>
+          <a:p>
+            <a:r>
+              <a:rPr kumimoji="1" lang="ja-JP" altLang="en-US" dirty="0" smtClean="0"/>
+              <a:t>リザルト</a:t>
+            </a:r>
+            <a:r>
+              <a:rPr kumimoji="1" lang="en-US" altLang="ja-JP" dirty="0" smtClean="0"/>
+              <a:t>(</a:t>
+            </a:r>
+            <a:r>
+              <a:rPr kumimoji="1" lang="ja-JP" altLang="en-US" dirty="0" smtClean="0"/>
+              <a:t>デスマッチ</a:t>
+            </a:r>
+            <a:r>
+              <a:rPr kumimoji="1" lang="en-US" altLang="ja-JP" dirty="0" smtClean="0"/>
+              <a:t>)</a:t>
+            </a:r>
+            <a:endParaRPr kumimoji="1" lang="ja-JP" altLang="en-US" dirty="0"/>
+          </a:p>
+        </p:txBody>
+      </p:sp>
+      <p:sp>
+        <p:nvSpPr>
+          <p:cNvPr id="3" name="テキスト ボックス 2"/>
+          <p:cNvSpPr txBox="1"/>
+          <p:nvPr/>
+        </p:nvSpPr>
+        <p:spPr>
+          <a:xfrm>
+            <a:off x="195943" y="317241"/>
+            <a:ext cx="1107996" cy="369332"/>
+          </a:xfrm>
+          <a:prstGeom prst="rect">
+            <a:avLst/>
+          </a:prstGeom>
+          <a:noFill/>
+        </p:spPr>
+        <p:txBody>
+          <a:bodyPr wrap="none" rtlCol="0">
+            <a:spAutoFit/>
+          </a:bodyPr>
+          <a:lstStyle/>
+          <a:p>
+            <a:r>
+              <a:rPr kumimoji="1" lang="ja-JP" altLang="en-US" dirty="0" smtClean="0"/>
+              <a:t>画面配置</a:t>
+            </a:r>
+            <a:endParaRPr kumimoji="1" lang="en-US" altLang="ja-JP" dirty="0" smtClean="0"/>
+          </a:p>
+        </p:txBody>
+      </p:sp>
+      <p:sp>
+        <p:nvSpPr>
+          <p:cNvPr id="7" name="正方形/長方形 6"/>
           <p:cNvSpPr/>
           <p:nvPr/>
         </p:nvSpPr>
         <p:spPr>
-          <a:xfrm rot="16200000">
-            <a:off x="5021252" y="-583088"/>
-            <a:ext cx="2291661" cy="11687435"/>
-          </a:xfrm>
-          <a:prstGeom prst="flowChartDelay">
+          <a:xfrm>
+            <a:off x="328872" y="686573"/>
+            <a:ext cx="11681927" cy="5704896"/>
+          </a:xfrm>
+          <a:prstGeom prst="rect">
             <a:avLst/>
           </a:prstGeom>
-          <a:solidFill>
-            <a:schemeClr val="accent6">
-              <a:lumMod val="40000"/>
-              <a:lumOff val="60000"/>
-            </a:schemeClr>
-          </a:solidFill>
-          <a:ln>
-            <a:noFill/>
+          <a:noFill/>
+          <a:ln w="76200">
+            <a:solidFill>
+              <a:schemeClr val="tx1"/>
+            </a:solidFill>
           </a:ln>
         </p:spPr>
         <p:style>
@@ -13273,124 +13334,6 @@
           <a:lstStyle/>
           <a:p>
             <a:pPr algn="ctr"/>
-            <a:endParaRPr kumimoji="1" lang="ja-JP" altLang="en-US"/>
-          </a:p>
-        </p:txBody>
-      </p:sp>
-      <p:sp>
-        <p:nvSpPr>
-          <p:cNvPr id="2" name="テキスト ボックス 1"/>
-          <p:cNvSpPr txBox="1"/>
-          <p:nvPr/>
-        </p:nvSpPr>
-        <p:spPr>
-          <a:xfrm>
-            <a:off x="4875153" y="0"/>
-            <a:ext cx="2441694" cy="369332"/>
-          </a:xfrm>
-          <a:prstGeom prst="rect">
-            <a:avLst/>
-          </a:prstGeom>
-          <a:noFill/>
-        </p:spPr>
-        <p:txBody>
-          <a:bodyPr wrap="none" rtlCol="0">
-            <a:spAutoFit/>
-          </a:bodyPr>
-          <a:lstStyle/>
-          <a:p>
-            <a:r>
-              <a:rPr kumimoji="1" lang="ja-JP" altLang="en-US" dirty="0" smtClean="0"/>
-              <a:t>リザルト</a:t>
-            </a:r>
-            <a:r>
-              <a:rPr kumimoji="1" lang="en-US" altLang="ja-JP" dirty="0" smtClean="0"/>
-              <a:t>(</a:t>
-            </a:r>
-            <a:r>
-              <a:rPr kumimoji="1" lang="ja-JP" altLang="en-US" dirty="0" smtClean="0"/>
-              <a:t>デスマッチ</a:t>
-            </a:r>
-            <a:r>
-              <a:rPr kumimoji="1" lang="en-US" altLang="ja-JP" dirty="0" smtClean="0"/>
-              <a:t>)</a:t>
-            </a:r>
-            <a:endParaRPr kumimoji="1" lang="ja-JP" altLang="en-US" dirty="0"/>
-          </a:p>
-        </p:txBody>
-      </p:sp>
-      <p:sp>
-        <p:nvSpPr>
-          <p:cNvPr id="3" name="テキスト ボックス 2"/>
-          <p:cNvSpPr txBox="1"/>
-          <p:nvPr/>
-        </p:nvSpPr>
-        <p:spPr>
-          <a:xfrm>
-            <a:off x="195943" y="317241"/>
-            <a:ext cx="1107996" cy="369332"/>
-          </a:xfrm>
-          <a:prstGeom prst="rect">
-            <a:avLst/>
-          </a:prstGeom>
-          <a:noFill/>
-        </p:spPr>
-        <p:txBody>
-          <a:bodyPr wrap="none" rtlCol="0">
-            <a:spAutoFit/>
-          </a:bodyPr>
-          <a:lstStyle/>
-          <a:p>
-            <a:r>
-              <a:rPr kumimoji="1" lang="ja-JP" altLang="en-US" dirty="0" smtClean="0"/>
-              <a:t>画面配置</a:t>
-            </a:r>
-            <a:endParaRPr kumimoji="1" lang="en-US" altLang="ja-JP" dirty="0" smtClean="0"/>
-          </a:p>
-        </p:txBody>
-      </p:sp>
-      <p:sp>
-        <p:nvSpPr>
-          <p:cNvPr id="7" name="正方形/長方形 6"/>
-          <p:cNvSpPr/>
-          <p:nvPr/>
-        </p:nvSpPr>
-        <p:spPr>
-          <a:xfrm>
-            <a:off x="328872" y="686573"/>
-            <a:ext cx="11681927" cy="5704896"/>
-          </a:xfrm>
-          <a:prstGeom prst="rect">
-            <a:avLst/>
-          </a:prstGeom>
-          <a:noFill/>
-          <a:ln w="76200">
-            <a:solidFill>
-              <a:schemeClr val="tx1"/>
-            </a:solidFill>
-          </a:ln>
-        </p:spPr>
-        <p:style>
-          <a:lnRef idx="2">
-            <a:schemeClr val="accent1">
-              <a:shade val="50000"/>
-            </a:schemeClr>
-          </a:lnRef>
-          <a:fillRef idx="1">
-            <a:schemeClr val="accent1"/>
-          </a:fillRef>
-          <a:effectRef idx="0">
-            <a:schemeClr val="accent1"/>
-          </a:effectRef>
-          <a:fontRef idx="minor">
-            <a:schemeClr val="lt1"/>
-          </a:fontRef>
-        </p:style>
-        <p:txBody>
-          <a:bodyPr rtlCol="0" anchor="ctr"/>
-          <a:lstStyle/>
-          <a:p>
-            <a:pPr algn="ctr"/>
             <a:endParaRPr kumimoji="1" lang="ja-JP" altLang="en-US" dirty="0"/>
           </a:p>
         </p:txBody>
@@ -13418,277 +13361,6 @@
           </a:p>
         </p:txBody>
       </p:sp>
-      <p:pic>
-        <p:nvPicPr>
-          <p:cNvPr id="4098" name="Picture 2" descr="バンザイ"/>
-          <p:cNvPicPr>
-            <a:picLocks noChangeAspect="1" noChangeArrowheads="1"/>
-          </p:cNvPicPr>
-          <p:nvPr/>
-        </p:nvPicPr>
-        <p:blipFill>
-          <a:blip r:embed="rId2">
-            <a:duotone>
-              <a:prstClr val="black"/>
-              <a:srgbClr val="FF0000">
-                <a:tint val="45000"/>
-                <a:satMod val="400000"/>
-              </a:srgbClr>
-            </a:duotone>
-            <a:extLst>
-              <a:ext uri="{BEBA8EAE-BF5A-486C-A8C5-ECC9F3942E4B}">
-                <a14:imgProps xmlns:a14="http://schemas.microsoft.com/office/drawing/2010/main">
-                  <a14:imgLayer r:embed="rId3">
-                    <a14:imgEffect>
-                      <a14:artisticPhotocopy/>
-                    </a14:imgEffect>
-                    <a14:imgEffect>
-                      <a14:colorTemperature colorTemp="11500"/>
-                    </a14:imgEffect>
-                    <a14:imgEffect>
-                      <a14:saturation sat="400000"/>
-                    </a14:imgEffect>
-                  </a14:imgLayer>
-                </a14:imgProps>
-              </a:ext>
-              <a:ext uri="{28A0092B-C50C-407E-A947-70E740481C1C}">
-                <a14:useLocalDpi xmlns:a14="http://schemas.microsoft.com/office/drawing/2010/main" val="0"/>
-              </a:ext>
-            </a:extLst>
-          </a:blip>
-          <a:srcRect/>
-          <a:stretch>
-            <a:fillRect/>
-          </a:stretch>
-        </p:blipFill>
-        <p:spPr bwMode="auto">
-          <a:xfrm>
-            <a:off x="4892040" y="2536285"/>
-            <a:ext cx="2407920" cy="2407922"/>
-          </a:xfrm>
-          <a:prstGeom prst="rect">
-            <a:avLst/>
-          </a:prstGeom>
-          <a:noFill/>
-          <a:extLst>
-            <a:ext uri="{909E8E84-426E-40DD-AFC4-6F175D3DCCD1}">
-              <a14:hiddenFill xmlns:a14="http://schemas.microsoft.com/office/drawing/2010/main">
-                <a:solidFill>
-                  <a:srgbClr val="FFFFFF"/>
-                </a:solidFill>
-              </a14:hiddenFill>
-            </a:ext>
-          </a:extLst>
-        </p:spPr>
-      </p:pic>
-      <p:pic>
-        <p:nvPicPr>
-          <p:cNvPr id="4100" name="Picture 4" descr="土下座"/>
-          <p:cNvPicPr>
-            <a:picLocks noChangeAspect="1" noChangeArrowheads="1"/>
-          </p:cNvPicPr>
-          <p:nvPr/>
-        </p:nvPicPr>
-        <p:blipFill>
-          <a:blip r:embed="rId4">
-            <a:extLst>
-              <a:ext uri="{28A0092B-C50C-407E-A947-70E740481C1C}">
-                <a14:useLocalDpi xmlns:a14="http://schemas.microsoft.com/office/drawing/2010/main" val="0"/>
-              </a:ext>
-            </a:extLst>
-          </a:blip>
-          <a:srcRect/>
-          <a:stretch>
-            <a:fillRect/>
-          </a:stretch>
-        </p:blipFill>
-        <p:spPr bwMode="auto">
-          <a:xfrm flipH="1">
-            <a:off x="6378370" y="3343838"/>
-            <a:ext cx="2407920" cy="2407922"/>
-          </a:xfrm>
-          <a:prstGeom prst="rect">
-            <a:avLst/>
-          </a:prstGeom>
-          <a:noFill/>
-          <a:extLst>
-            <a:ext uri="{909E8E84-426E-40DD-AFC4-6F175D3DCCD1}">
-              <a14:hiddenFill xmlns:a14="http://schemas.microsoft.com/office/drawing/2010/main">
-                <a:solidFill>
-                  <a:srgbClr val="FFFFFF"/>
-                </a:solidFill>
-              </a14:hiddenFill>
-            </a:ext>
-          </a:extLst>
-        </p:spPr>
-      </p:pic>
-      <p:pic>
-        <p:nvPicPr>
-          <p:cNvPr id="4102" name="Picture 6" descr="落ち込む人のピクトグラム"/>
-          <p:cNvPicPr>
-            <a:picLocks noChangeAspect="1" noChangeArrowheads="1"/>
-          </p:cNvPicPr>
-          <p:nvPr/>
-        </p:nvPicPr>
-        <p:blipFill>
-          <a:blip r:embed="rId5">
-            <a:duotone>
-              <a:prstClr val="black"/>
-              <a:srgbClr val="0070C0">
-                <a:tint val="45000"/>
-                <a:satMod val="400000"/>
-              </a:srgbClr>
-            </a:duotone>
-            <a:extLst>
-              <a:ext uri="{BEBA8EAE-BF5A-486C-A8C5-ECC9F3942E4B}">
-                <a14:imgProps xmlns:a14="http://schemas.microsoft.com/office/drawing/2010/main">
-                  <a14:imgLayer r:embed="rId6">
-                    <a14:imgEffect>
-                      <a14:artisticPhotocopy/>
-                    </a14:imgEffect>
-                    <a14:imgEffect>
-                      <a14:colorTemperature colorTemp="11200"/>
-                    </a14:imgEffect>
-                    <a14:imgEffect>
-                      <a14:saturation sat="400000"/>
-                    </a14:imgEffect>
-                  </a14:imgLayer>
-                </a14:imgProps>
-              </a:ext>
-              <a:ext uri="{28A0092B-C50C-407E-A947-70E740481C1C}">
-                <a14:useLocalDpi xmlns:a14="http://schemas.microsoft.com/office/drawing/2010/main" val="0"/>
-              </a:ext>
-            </a:extLst>
-          </a:blip>
-          <a:srcRect/>
-          <a:stretch>
-            <a:fillRect/>
-          </a:stretch>
-        </p:blipFill>
-        <p:spPr bwMode="auto">
-          <a:xfrm>
-            <a:off x="1612181" y="3374819"/>
-            <a:ext cx="2407920" cy="2407922"/>
-          </a:xfrm>
-          <a:prstGeom prst="rect">
-            <a:avLst/>
-          </a:prstGeom>
-          <a:noFill/>
-          <a:extLst>
-            <a:ext uri="{909E8E84-426E-40DD-AFC4-6F175D3DCCD1}">
-              <a14:hiddenFill xmlns:a14="http://schemas.microsoft.com/office/drawing/2010/main">
-                <a:solidFill>
-                  <a:srgbClr val="FFFFFF"/>
-                </a:solidFill>
-              </a14:hiddenFill>
-            </a:ext>
-          </a:extLst>
-        </p:spPr>
-      </p:pic>
-      <p:pic>
-        <p:nvPicPr>
-          <p:cNvPr id="4104" name="Picture 8" descr="泣き虫"/>
-          <p:cNvPicPr>
-            <a:picLocks noChangeAspect="1" noChangeArrowheads="1"/>
-          </p:cNvPicPr>
-          <p:nvPr/>
-        </p:nvPicPr>
-        <p:blipFill>
-          <a:blip r:embed="rId7">
-            <a:duotone>
-              <a:prstClr val="black"/>
-              <a:srgbClr val="FFC000">
-                <a:tint val="45000"/>
-                <a:satMod val="400000"/>
-              </a:srgbClr>
-            </a:duotone>
-            <a:extLst>
-              <a:ext uri="{BEBA8EAE-BF5A-486C-A8C5-ECC9F3942E4B}">
-                <a14:imgProps xmlns:a14="http://schemas.microsoft.com/office/drawing/2010/main">
-                  <a14:imgLayer r:embed="rId8">
-                    <a14:imgEffect>
-                      <a14:artisticPhotocopy/>
-                    </a14:imgEffect>
-                    <a14:imgEffect>
-                      <a14:colorTemperature colorTemp="11200"/>
-                    </a14:imgEffect>
-                    <a14:imgEffect>
-                      <a14:saturation sat="400000"/>
-                    </a14:imgEffect>
-                  </a14:imgLayer>
-                </a14:imgProps>
-              </a:ext>
-              <a:ext uri="{28A0092B-C50C-407E-A947-70E740481C1C}">
-                <a14:useLocalDpi xmlns:a14="http://schemas.microsoft.com/office/drawing/2010/main" val="0"/>
-              </a:ext>
-            </a:extLst>
-          </a:blip>
-          <a:srcRect/>
-          <a:stretch>
-            <a:fillRect/>
-          </a:stretch>
-        </p:blipFill>
-        <p:spPr bwMode="auto">
-          <a:xfrm flipH="1">
-            <a:off x="2974800" y="2905617"/>
-            <a:ext cx="2407920" cy="2407922"/>
-          </a:xfrm>
-          <a:prstGeom prst="rect">
-            <a:avLst/>
-          </a:prstGeom>
-          <a:noFill/>
-          <a:extLst>
-            <a:ext uri="{909E8E84-426E-40DD-AFC4-6F175D3DCCD1}">
-              <a14:hiddenFill xmlns:a14="http://schemas.microsoft.com/office/drawing/2010/main">
-                <a:solidFill>
-                  <a:srgbClr val="FFFFFF"/>
-                </a:solidFill>
-              </a14:hiddenFill>
-            </a:ext>
-          </a:extLst>
-        </p:spPr>
-      </p:pic>
-      <p:pic>
-        <p:nvPicPr>
-          <p:cNvPr id="11" name="Picture 2" descr="飾りのある王冠の無料(フリー)イラスト | かわいい手描きの無料素材「てがきっず」保育園・小学校・介護施設にぴったりのフリー素材イラスト"/>
-          <p:cNvPicPr>
-            <a:picLocks noChangeAspect="1" noChangeArrowheads="1"/>
-          </p:cNvPicPr>
-          <p:nvPr/>
-        </p:nvPicPr>
-        <p:blipFill>
-          <a:blip r:embed="rId9" cstate="print">
-            <a:extLst>
-              <a:ext uri="{28A0092B-C50C-407E-A947-70E740481C1C}">
-                <a14:useLocalDpi xmlns:a14="http://schemas.microsoft.com/office/drawing/2010/main" val="0"/>
-              </a:ext>
-            </a:extLst>
-          </a:blip>
-          <a:srcRect/>
-          <a:stretch>
-            <a:fillRect/>
-          </a:stretch>
-        </p:blipFill>
-        <p:spPr bwMode="auto">
-          <a:xfrm>
-            <a:off x="5932121" y="2666717"/>
-            <a:ext cx="327758" cy="327758"/>
-          </a:xfrm>
-          <a:prstGeom prst="rect">
-            <a:avLst/>
-          </a:prstGeom>
-          <a:noFill/>
-          <a:extLst>
-            <a:ext uri="{909E8E84-426E-40DD-AFC4-6F175D3DCCD1}">
-              <a14:hiddenFill xmlns:a14="http://schemas.microsoft.com/office/drawing/2010/main">
-                <a:solidFill>
-                  <a:srgbClr val="FFFFFF"/>
-                </a:solidFill>
-              </a14:hiddenFill>
-            </a:ext>
-          </a:extLst>
-        </p:spPr>
-      </p:pic>
       <p:sp>
         <p:nvSpPr>
           <p:cNvPr id="12" name="テキスト ボックス 11"/>
@@ -13728,205 +13400,13 @@
       </p:sp>
       <p:sp>
         <p:nvSpPr>
-          <p:cNvPr id="4" name="楕円 3"/>
-          <p:cNvSpPr/>
-          <p:nvPr/>
-        </p:nvSpPr>
-        <p:spPr>
-          <a:xfrm>
-            <a:off x="10596337" y="940215"/>
-            <a:ext cx="341907" cy="341907"/>
-          </a:xfrm>
-          <a:prstGeom prst="ellipse">
-            <a:avLst/>
-          </a:prstGeom>
-          <a:solidFill>
-            <a:srgbClr val="FF0000"/>
-          </a:solidFill>
-          <a:ln>
-            <a:solidFill>
-              <a:schemeClr val="tx1"/>
-            </a:solidFill>
-          </a:ln>
-        </p:spPr>
-        <p:style>
-          <a:lnRef idx="2">
-            <a:schemeClr val="accent1">
-              <a:shade val="50000"/>
-            </a:schemeClr>
-          </a:lnRef>
-          <a:fillRef idx="1">
-            <a:schemeClr val="accent1"/>
-          </a:fillRef>
-          <a:effectRef idx="0">
-            <a:schemeClr val="accent1"/>
-          </a:effectRef>
-          <a:fontRef idx="minor">
-            <a:schemeClr val="lt1"/>
-          </a:fontRef>
-        </p:style>
-        <p:txBody>
-          <a:bodyPr rtlCol="0" anchor="ctr"/>
-          <a:lstStyle/>
-          <a:p>
-            <a:pPr algn="ctr"/>
-            <a:endParaRPr kumimoji="1" lang="ja-JP" altLang="en-US"/>
-          </a:p>
-        </p:txBody>
-      </p:sp>
-      <p:sp>
-        <p:nvSpPr>
-          <p:cNvPr id="14" name="楕円 13"/>
-          <p:cNvSpPr/>
-          <p:nvPr/>
-        </p:nvSpPr>
-        <p:spPr>
-          <a:xfrm>
-            <a:off x="10596337" y="1794839"/>
-            <a:ext cx="341907" cy="341907"/>
-          </a:xfrm>
-          <a:prstGeom prst="ellipse">
-            <a:avLst/>
-          </a:prstGeom>
-          <a:solidFill>
-            <a:srgbClr val="00B0F0"/>
-          </a:solidFill>
-          <a:ln>
-            <a:solidFill>
-              <a:schemeClr val="tx1"/>
-            </a:solidFill>
-          </a:ln>
-        </p:spPr>
-        <p:style>
-          <a:lnRef idx="2">
-            <a:schemeClr val="accent1">
-              <a:shade val="50000"/>
-            </a:schemeClr>
-          </a:lnRef>
-          <a:fillRef idx="1">
-            <a:schemeClr val="accent1"/>
-          </a:fillRef>
-          <a:effectRef idx="0">
-            <a:schemeClr val="accent1"/>
-          </a:effectRef>
-          <a:fontRef idx="minor">
-            <a:schemeClr val="lt1"/>
-          </a:fontRef>
-        </p:style>
-        <p:txBody>
-          <a:bodyPr rtlCol="0" anchor="ctr"/>
-          <a:lstStyle/>
-          <a:p>
-            <a:pPr algn="ctr"/>
-            <a:endParaRPr kumimoji="1" lang="ja-JP" altLang="en-US"/>
-          </a:p>
-        </p:txBody>
-      </p:sp>
-      <p:sp>
-        <p:nvSpPr>
-          <p:cNvPr id="15" name="楕円 14"/>
-          <p:cNvSpPr/>
-          <p:nvPr/>
-        </p:nvSpPr>
-        <p:spPr>
-          <a:xfrm>
-            <a:off x="10596336" y="1364810"/>
-            <a:ext cx="341907" cy="341907"/>
-          </a:xfrm>
-          <a:prstGeom prst="ellipse">
-            <a:avLst/>
-          </a:prstGeom>
-          <a:solidFill>
-            <a:srgbClr val="FFFF00"/>
-          </a:solidFill>
-          <a:ln>
-            <a:solidFill>
-              <a:schemeClr val="tx1"/>
-            </a:solidFill>
-          </a:ln>
-        </p:spPr>
-        <p:style>
-          <a:lnRef idx="2">
-            <a:schemeClr val="accent1">
-              <a:shade val="50000"/>
-            </a:schemeClr>
-          </a:lnRef>
-          <a:fillRef idx="1">
-            <a:schemeClr val="accent1"/>
-          </a:fillRef>
-          <a:effectRef idx="0">
-            <a:schemeClr val="accent1"/>
-          </a:effectRef>
-          <a:fontRef idx="minor">
-            <a:schemeClr val="lt1"/>
-          </a:fontRef>
-        </p:style>
-        <p:txBody>
-          <a:bodyPr rtlCol="0" anchor="ctr"/>
-          <a:lstStyle/>
-          <a:p>
-            <a:pPr algn="ctr"/>
-            <a:endParaRPr kumimoji="1" lang="ja-JP" altLang="en-US"/>
-          </a:p>
-        </p:txBody>
-      </p:sp>
-      <p:sp>
-        <p:nvSpPr>
-          <p:cNvPr id="16" name="楕円 15"/>
-          <p:cNvSpPr/>
-          <p:nvPr/>
-        </p:nvSpPr>
-        <p:spPr>
-          <a:xfrm>
-            <a:off x="10596336" y="2219434"/>
-            <a:ext cx="341907" cy="341907"/>
-          </a:xfrm>
-          <a:prstGeom prst="ellipse">
-            <a:avLst/>
-          </a:prstGeom>
-          <a:solidFill>
-            <a:srgbClr val="00B050"/>
-          </a:solidFill>
-          <a:ln>
-            <a:solidFill>
-              <a:schemeClr val="tx1"/>
-            </a:solidFill>
-          </a:ln>
-        </p:spPr>
-        <p:style>
-          <a:lnRef idx="2">
-            <a:schemeClr val="accent1">
-              <a:shade val="50000"/>
-            </a:schemeClr>
-          </a:lnRef>
-          <a:fillRef idx="1">
-            <a:schemeClr val="accent1"/>
-          </a:fillRef>
-          <a:effectRef idx="0">
-            <a:schemeClr val="accent1"/>
-          </a:effectRef>
-          <a:fontRef idx="minor">
-            <a:schemeClr val="lt1"/>
-          </a:fontRef>
-        </p:style>
-        <p:txBody>
-          <a:bodyPr rtlCol="0" anchor="ctr"/>
-          <a:lstStyle/>
-          <a:p>
-            <a:pPr algn="ctr"/>
-            <a:endParaRPr kumimoji="1" lang="ja-JP" altLang="en-US"/>
-          </a:p>
-        </p:txBody>
-      </p:sp>
-      <p:sp>
-        <p:nvSpPr>
           <p:cNvPr id="17" name="正方形/長方形 16"/>
           <p:cNvSpPr/>
           <p:nvPr/>
         </p:nvSpPr>
         <p:spPr>
           <a:xfrm>
-            <a:off x="10938243" y="926502"/>
+            <a:off x="6306955" y="2689927"/>
             <a:ext cx="572593" cy="369332"/>
           </a:xfrm>
           <a:prstGeom prst="rect">
@@ -13982,7 +13462,7 @@
         </p:nvSpPr>
         <p:spPr>
           <a:xfrm>
-            <a:off x="9303527" y="909024"/>
+            <a:off x="5000187" y="2643761"/>
             <a:ext cx="1306768" cy="461665"/>
           </a:xfrm>
           <a:prstGeom prst="rect">
@@ -14048,7 +13528,7 @@
         </p:nvSpPr>
         <p:spPr>
           <a:xfrm>
-            <a:off x="9771131" y="1336673"/>
+            <a:off x="5467791" y="3071410"/>
             <a:ext cx="819455" cy="461665"/>
           </a:xfrm>
           <a:prstGeom prst="rect">
@@ -14114,7 +13594,7 @@
         </p:nvSpPr>
         <p:spPr>
           <a:xfrm>
-            <a:off x="9286815" y="1773479"/>
+            <a:off x="4983475" y="3508216"/>
             <a:ext cx="1306768" cy="461665"/>
           </a:xfrm>
           <a:prstGeom prst="rect">
@@ -14180,7 +13660,7 @@
         </p:nvSpPr>
         <p:spPr>
           <a:xfrm>
-            <a:off x="9158784" y="2205722"/>
+            <a:off x="4875153" y="3935865"/>
             <a:ext cx="1431802" cy="461665"/>
           </a:xfrm>
           <a:prstGeom prst="rect">
